--- a/Companies.pptx
+++ b/Companies.pptx
@@ -12,8 +12,10 @@
     <p:sldId id="260" r:id="rId6"/>
     <p:sldId id="261" r:id="rId7"/>
     <p:sldId id="262" r:id="rId8"/>
-    <p:sldId id="263" r:id="rId9"/>
-    <p:sldId id="264" r:id="rId10"/>
+    <p:sldId id="265" r:id="rId9"/>
+    <p:sldId id="266" r:id="rId10"/>
+    <p:sldId id="263" r:id="rId11"/>
+    <p:sldId id="264" r:id="rId12"/>
   </p:sldIdLst>
   <p:sldSz cx="9144000" cy="6858000" type="screen4x3"/>
   <p:notesSz cx="6858000" cy="9144000"/>
@@ -5903,7 +5905,12 @@
             <p:ph type="title"/>
           </p:nvPr>
         </p:nvSpPr>
-        <p:spPr/>
+        <p:spPr>
+          <a:xfrm>
+            <a:off x="-1406013" y="-580103"/>
+            <a:ext cx="11641393" cy="4009103"/>
+          </a:xfrm>
+        </p:spPr>
         <p:txBody>
           <a:bodyPr>
             <a:normAutofit/>
@@ -5918,7 +5925,7 @@
               </a:defRPr>
             </a:pPr>
             <a:r>
-              <a:rPr dirty="0"/>
+              <a:rPr sz="4400" dirty="0"/>
               <a:t>Companies Dataset Analysis</a:t>
             </a:r>
           </a:p>
@@ -5934,7 +5941,12 @@
             <p:ph idx="1"/>
           </p:nvPr>
         </p:nvSpPr>
-        <p:spPr/>
+        <p:spPr>
+          <a:xfrm>
+            <a:off x="2202425" y="5633884"/>
+            <a:ext cx="6302478" cy="825910"/>
+          </a:xfrm>
+        </p:spPr>
         <p:txBody>
           <a:bodyPr/>
           <a:lstStyle/>
@@ -5959,7 +5971,205 @@
           </a:p>
         </p:txBody>
       </p:sp>
+      <p:pic>
+        <p:nvPicPr>
+          <p:cNvPr id="5" name="Picture 4">
+            <a:extLst>
+              <a:ext uri="{FF2B5EF4-FFF2-40B4-BE49-F238E27FC236}">
+                <a16:creationId xmlns:a16="http://schemas.microsoft.com/office/drawing/2014/main" id="{CA013418-1D13-6F58-3D54-7C0E31090349}"/>
+              </a:ext>
+            </a:extLst>
+          </p:cNvPr>
+          <p:cNvPicPr>
+            <a:picLocks noChangeAspect="1"/>
+          </p:cNvPicPr>
+          <p:nvPr/>
+        </p:nvPicPr>
+        <p:blipFill>
+          <a:blip r:embed="rId2"/>
+          <a:stretch>
+            <a:fillRect/>
+          </a:stretch>
+        </p:blipFill>
+        <p:spPr>
+          <a:xfrm>
+            <a:off x="1661651" y="2566219"/>
+            <a:ext cx="5673214" cy="2831690"/>
+          </a:xfrm>
+          <a:prstGeom prst="rect">
+            <a:avLst/>
+          </a:prstGeom>
+        </p:spPr>
+      </p:pic>
     </p:spTree>
+  </p:cSld>
+  <p:clrMapOvr>
+    <a:masterClrMapping/>
+  </p:clrMapOvr>
+</p:sld>
+</file>
+
+<file path=ppt/slides/slide10.xml><?xml version="1.0" encoding="utf-8"?>
+<p:sld xmlns:a="http://schemas.openxmlformats.org/drawingml/2006/main" xmlns:r="http://schemas.openxmlformats.org/officeDocument/2006/relationships" xmlns:p="http://schemas.openxmlformats.org/presentationml/2006/main">
+  <p:cSld>
+    <p:spTree>
+      <p:nvGrpSpPr>
+        <p:cNvPr id="1" name=""/>
+        <p:cNvGrpSpPr/>
+        <p:nvPr/>
+      </p:nvGrpSpPr>
+      <p:grpSpPr>
+        <a:xfrm>
+          <a:off x="0" y="0"/>
+          <a:ext cx="0" cy="0"/>
+          <a:chOff x="0" y="0"/>
+          <a:chExt cx="0" cy="0"/>
+        </a:xfrm>
+      </p:grpSpPr>
+      <p:sp>
+        <p:nvSpPr>
+          <p:cNvPr id="2" name="Title 1">
+            <a:extLst>
+              <a:ext uri="{FF2B5EF4-FFF2-40B4-BE49-F238E27FC236}">
+                <a16:creationId xmlns:a16="http://schemas.microsoft.com/office/drawing/2014/main" id="{CA2F9491-91D4-46A3-9792-DA5027402623}"/>
+              </a:ext>
+            </a:extLst>
+          </p:cNvPr>
+          <p:cNvSpPr>
+            <a:spLocks noGrp="1"/>
+          </p:cNvSpPr>
+          <p:nvPr>
+            <p:ph type="title"/>
+          </p:nvPr>
+        </p:nvSpPr>
+        <p:spPr>
+          <a:xfrm>
+            <a:off x="1176866" y="906873"/>
+            <a:ext cx="6798734" cy="2522127"/>
+          </a:xfrm>
+        </p:spPr>
+        <p:txBody>
+          <a:bodyPr>
+            <a:normAutofit/>
+          </a:bodyPr>
+          <a:lstStyle/>
+          <a:p>
+            <a:r>
+              <a:rPr lang="en-US" sz="5400" dirty="0"/>
+              <a:t>Conclusion</a:t>
+            </a:r>
+          </a:p>
+        </p:txBody>
+      </p:sp>
+      <p:sp>
+        <p:nvSpPr>
+          <p:cNvPr id="3" name="Text Placeholder 2">
+            <a:extLst>
+              <a:ext uri="{FF2B5EF4-FFF2-40B4-BE49-F238E27FC236}">
+                <a16:creationId xmlns:a16="http://schemas.microsoft.com/office/drawing/2014/main" id="{8CA7BA63-1180-4503-B81F-0D5F427AA0BB}"/>
+              </a:ext>
+            </a:extLst>
+          </p:cNvPr>
+          <p:cNvSpPr>
+            <a:spLocks noGrp="1"/>
+          </p:cNvSpPr>
+          <p:nvPr>
+            <p:ph type="body" idx="1"/>
+          </p:nvPr>
+        </p:nvSpPr>
+        <p:spPr>
+          <a:xfrm>
+            <a:off x="1176865" y="4234690"/>
+            <a:ext cx="6798736" cy="2046189"/>
+          </a:xfrm>
+        </p:spPr>
+        <p:txBody>
+          <a:bodyPr>
+            <a:normAutofit fontScale="92500" lnSpcReduction="10000"/>
+          </a:bodyPr>
+          <a:lstStyle/>
+          <a:p>
+            <a:r>
+              <a:rPr lang="en-US" sz="2800" dirty="0"/>
+              <a:t>This report highlights the initial steps in data analysis—loading, understanding, and cleaning a dataset. Proper handling of missing and duplicate data ensures a more robust foundation for deriving insights in further stages.</a:t>
+            </a:r>
+          </a:p>
+          <a:p>
+            <a:endParaRPr lang="en-US" dirty="0"/>
+          </a:p>
+        </p:txBody>
+      </p:sp>
+    </p:spTree>
+    <p:extLst>
+      <p:ext uri="{BB962C8B-B14F-4D97-AF65-F5344CB8AC3E}">
+        <p14:creationId xmlns:p14="http://schemas.microsoft.com/office/powerpoint/2010/main" val="974185760"/>
+      </p:ext>
+    </p:extLst>
+  </p:cSld>
+  <p:clrMapOvr>
+    <a:masterClrMapping/>
+  </p:clrMapOvr>
+</p:sld>
+</file>
+
+<file path=ppt/slides/slide11.xml><?xml version="1.0" encoding="utf-8"?>
+<p:sld xmlns:a="http://schemas.openxmlformats.org/drawingml/2006/main" xmlns:r="http://schemas.openxmlformats.org/officeDocument/2006/relationships" xmlns:p="http://schemas.openxmlformats.org/presentationml/2006/main">
+  <p:cSld>
+    <p:spTree>
+      <p:nvGrpSpPr>
+        <p:cNvPr id="1" name=""/>
+        <p:cNvGrpSpPr/>
+        <p:nvPr/>
+      </p:nvGrpSpPr>
+      <p:grpSpPr>
+        <a:xfrm>
+          <a:off x="0" y="0"/>
+          <a:ext cx="0" cy="0"/>
+          <a:chOff x="0" y="0"/>
+          <a:chExt cx="0" cy="0"/>
+        </a:xfrm>
+      </p:grpSpPr>
+      <p:sp>
+        <p:nvSpPr>
+          <p:cNvPr id="2" name="Title 1">
+            <a:extLst>
+              <a:ext uri="{FF2B5EF4-FFF2-40B4-BE49-F238E27FC236}">
+                <a16:creationId xmlns:a16="http://schemas.microsoft.com/office/drawing/2014/main" id="{F3842A75-63A3-4521-B8EE-5889B4A6B014}"/>
+              </a:ext>
+            </a:extLst>
+          </p:cNvPr>
+          <p:cNvSpPr>
+            <a:spLocks noGrp="1"/>
+          </p:cNvSpPr>
+          <p:nvPr>
+            <p:ph type="title"/>
+          </p:nvPr>
+        </p:nvSpPr>
+        <p:spPr>
+          <a:xfrm>
+            <a:off x="1176865" y="915337"/>
+            <a:ext cx="6798735" cy="1498079"/>
+          </a:xfrm>
+        </p:spPr>
+        <p:txBody>
+          <a:bodyPr>
+            <a:normAutofit/>
+          </a:bodyPr>
+          <a:lstStyle/>
+          <a:p>
+            <a:r>
+              <a:rPr lang="en-US" sz="6000" dirty="0"/>
+              <a:t>Thank you</a:t>
+            </a:r>
+          </a:p>
+        </p:txBody>
+      </p:sp>
+    </p:spTree>
+    <p:extLst>
+      <p:ext uri="{BB962C8B-B14F-4D97-AF65-F5344CB8AC3E}">
+        <p14:creationId xmlns:p14="http://schemas.microsoft.com/office/powerpoint/2010/main" val="355901602"/>
+      </p:ext>
+    </p:extLst>
   </p:cSld>
   <p:clrMapOvr>
     <a:masterClrMapping/>
@@ -5994,7 +6204,12 @@
             <p:ph type="title"/>
           </p:nvPr>
         </p:nvSpPr>
-        <p:spPr/>
+        <p:spPr>
+          <a:xfrm>
+            <a:off x="-2930012" y="915337"/>
+            <a:ext cx="10905612" cy="1303867"/>
+          </a:xfrm>
+        </p:spPr>
         <p:txBody>
           <a:bodyPr/>
           <a:lstStyle/>
@@ -6008,7 +6223,11 @@
             </a:pPr>
             <a:r>
               <a:rPr dirty="0"/>
-              <a:t> Introduction</a:t>
+              <a:t> </a:t>
+            </a:r>
+            <a:r>
+              <a:rPr sz="4800" dirty="0"/>
+              <a:t>Introduction</a:t>
             </a:r>
           </a:p>
         </p:txBody>
@@ -6044,6 +6263,42 @@
           </a:p>
         </p:txBody>
       </p:sp>
+      <p:pic>
+        <p:nvPicPr>
+          <p:cNvPr id="4" name="Picture 3">
+            <a:extLst>
+              <a:ext uri="{FF2B5EF4-FFF2-40B4-BE49-F238E27FC236}">
+                <a16:creationId xmlns:a16="http://schemas.microsoft.com/office/drawing/2014/main" id="{541E796D-2209-F9C3-AF46-57BDBCA874F6}"/>
+              </a:ext>
+            </a:extLst>
+          </p:cNvPr>
+          <p:cNvPicPr>
+            <a:picLocks noChangeAspect="1"/>
+          </p:cNvPicPr>
+          <p:nvPr/>
+        </p:nvPicPr>
+        <p:blipFill>
+          <a:blip r:embed="rId2">
+            <a:extLst>
+              <a:ext uri="{837473B0-CC2E-450A-ABE3-18F120FF3D39}">
+                <a1611:picAttrSrcUrl xmlns:a1611="http://schemas.microsoft.com/office/drawing/2016/11/main" r:id="rId3"/>
+              </a:ext>
+            </a:extLst>
+          </a:blip>
+          <a:stretch>
+            <a:fillRect/>
+          </a:stretch>
+        </p:blipFill>
+        <p:spPr>
+          <a:xfrm>
+            <a:off x="4876800" y="566726"/>
+            <a:ext cx="3303639" cy="1652478"/>
+          </a:xfrm>
+          <a:prstGeom prst="rect">
+            <a:avLst/>
+          </a:prstGeom>
+        </p:spPr>
+      </p:pic>
     </p:spTree>
   </p:cSld>
   <p:clrMapOvr>
@@ -6659,83 +6914,57 @@
           <a:chExt cx="0" cy="0"/>
         </a:xfrm>
       </p:grpSpPr>
-      <p:sp>
-        <p:nvSpPr>
-          <p:cNvPr id="2" name="Title 1">
+      <p:pic>
+        <p:nvPicPr>
+          <p:cNvPr id="2050" name="Picture 2">
             <a:extLst>
               <a:ext uri="{FF2B5EF4-FFF2-40B4-BE49-F238E27FC236}">
-                <a16:creationId xmlns:a16="http://schemas.microsoft.com/office/drawing/2014/main" id="{CA2F9491-91D4-46A3-9792-DA5027402623}"/>
+                <a16:creationId xmlns:a16="http://schemas.microsoft.com/office/drawing/2014/main" id="{AF85C5CA-D1F6-7BEB-AD0D-628E922C20C7}"/>
               </a:ext>
             </a:extLst>
           </p:cNvPr>
-          <p:cNvSpPr>
-            <a:spLocks noGrp="1"/>
-          </p:cNvSpPr>
-          <p:nvPr>
-            <p:ph type="title"/>
-          </p:nvPr>
-        </p:nvSpPr>
-        <p:spPr>
-          <a:xfrm>
-            <a:off x="1176866" y="906873"/>
-            <a:ext cx="6798734" cy="2522127"/>
-          </a:xfrm>
-        </p:spPr>
-        <p:txBody>
-          <a:bodyPr>
-            <a:normAutofit/>
-          </a:bodyPr>
-          <a:lstStyle/>
-          <a:p>
-            <a:r>
-              <a:rPr lang="en-US" sz="5400" dirty="0"/>
-              <a:t>Conclusion</a:t>
-            </a:r>
-          </a:p>
-        </p:txBody>
-      </p:sp>
-      <p:sp>
-        <p:nvSpPr>
-          <p:cNvPr id="3" name="Text Placeholder 2">
+          <p:cNvPicPr>
+            <a:picLocks noChangeAspect="1" noChangeArrowheads="1"/>
+          </p:cNvPicPr>
+          <p:nvPr/>
+        </p:nvPicPr>
+        <p:blipFill>
+          <a:blip r:embed="rId2">
             <a:extLst>
-              <a:ext uri="{FF2B5EF4-FFF2-40B4-BE49-F238E27FC236}">
-                <a16:creationId xmlns:a16="http://schemas.microsoft.com/office/drawing/2014/main" id="{8CA7BA63-1180-4503-B81F-0D5F427AA0BB}"/>
+              <a:ext uri="{28A0092B-C50C-407E-A947-70E740481C1C}">
+                <a14:useLocalDpi xmlns:a14="http://schemas.microsoft.com/office/drawing/2010/main" val="0"/>
               </a:ext>
             </a:extLst>
-          </p:cNvPr>
-          <p:cNvSpPr>
-            <a:spLocks noGrp="1"/>
-          </p:cNvSpPr>
-          <p:nvPr>
-            <p:ph type="body" idx="1"/>
-          </p:nvPr>
-        </p:nvSpPr>
-        <p:spPr>
+          </a:blip>
+          <a:srcRect/>
+          <a:stretch>
+            <a:fillRect/>
+          </a:stretch>
+        </p:blipFill>
+        <p:spPr bwMode="auto">
           <a:xfrm>
-            <a:off x="1176865" y="4234690"/>
-            <a:ext cx="6798736" cy="2046189"/>
+            <a:off x="629265" y="688516"/>
+            <a:ext cx="7704652" cy="5466478"/>
           </a:xfrm>
+          <a:prstGeom prst="rect">
+            <a:avLst/>
+          </a:prstGeom>
+          <a:noFill/>
+          <a:extLst>
+            <a:ext uri="{909E8E84-426E-40DD-AFC4-6F175D3DCCD1}">
+              <a14:hiddenFill xmlns:a14="http://schemas.microsoft.com/office/drawing/2010/main">
+                <a:solidFill>
+                  <a:srgbClr val="FFFFFF"/>
+                </a:solidFill>
+              </a14:hiddenFill>
+            </a:ext>
+          </a:extLst>
         </p:spPr>
-        <p:txBody>
-          <a:bodyPr>
-            <a:normAutofit fontScale="92500" lnSpcReduction="10000"/>
-          </a:bodyPr>
-          <a:lstStyle/>
-          <a:p>
-            <a:r>
-              <a:rPr lang="en-US" sz="2800" dirty="0"/>
-              <a:t>This report highlights the initial steps in data analysis—loading, understanding, and cleaning a dataset. Proper handling of missing and duplicate data ensures a more robust foundation for deriving insights in further stages.</a:t>
-            </a:r>
-          </a:p>
-          <a:p>
-            <a:endParaRPr lang="en-US" dirty="0"/>
-          </a:p>
-        </p:txBody>
-      </p:sp>
+      </p:pic>
     </p:spTree>
     <p:extLst>
       <p:ext uri="{BB962C8B-B14F-4D97-AF65-F5344CB8AC3E}">
-        <p14:creationId xmlns:p14="http://schemas.microsoft.com/office/powerpoint/2010/main" val="974185760"/>
+        <p14:creationId xmlns:p14="http://schemas.microsoft.com/office/powerpoint/2010/main" val="1592408867"/>
       </p:ext>
     </p:extLst>
   </p:cSld>
@@ -6762,45 +6991,413 @@
           <a:chExt cx="0" cy="0"/>
         </a:xfrm>
       </p:grpSpPr>
-      <p:sp>
-        <p:nvSpPr>
-          <p:cNvPr id="2" name="Title 1">
+      <p:pic>
+        <p:nvPicPr>
+          <p:cNvPr id="3074" name="Picture 2">
             <a:extLst>
               <a:ext uri="{FF2B5EF4-FFF2-40B4-BE49-F238E27FC236}">
-                <a16:creationId xmlns:a16="http://schemas.microsoft.com/office/drawing/2014/main" id="{F3842A75-63A3-4521-B8EE-5889B4A6B014}"/>
+                <a16:creationId xmlns:a16="http://schemas.microsoft.com/office/drawing/2014/main" id="{357A5E2D-0CB9-D294-8210-32B83AA8750A}"/>
               </a:ext>
             </a:extLst>
           </p:cNvPr>
-          <p:cNvSpPr>
-            <a:spLocks noGrp="1"/>
+          <p:cNvPicPr>
+            <a:picLocks noGrp="1" noChangeAspect="1" noChangeArrowheads="1"/>
+          </p:cNvPicPr>
+          <p:nvPr>
+            <p:ph type="pic" idx="1"/>
+          </p:nvPr>
+        </p:nvPicPr>
+        <p:blipFill>
+          <a:blip r:embed="rId2">
+            <a:extLst>
+              <a:ext uri="{28A0092B-C50C-407E-A947-70E740481C1C}">
+                <a14:useLocalDpi xmlns:a14="http://schemas.microsoft.com/office/drawing/2010/main" val="0"/>
+              </a:ext>
+            </a:extLst>
+          </a:blip>
+          <a:srcRect t="10489" b="10489"/>
+          <a:stretch>
+            <a:fillRect/>
+          </a:stretch>
+        </p:blipFill>
+        <p:spPr bwMode="auto">
+          <a:xfrm>
+            <a:off x="1026260" y="707923"/>
+            <a:ext cx="6949339" cy="3342967"/>
+          </a:xfrm>
+          <a:prstGeom prst="rect">
+            <a:avLst/>
+          </a:prstGeom>
+          <a:noFill/>
+          <a:extLst>
+            <a:ext uri="{909E8E84-426E-40DD-AFC4-6F175D3DCCD1}">
+              <a14:hiddenFill xmlns:a14="http://schemas.microsoft.com/office/drawing/2010/main">
+                <a:solidFill>
+                  <a:srgbClr val="FFFFFF"/>
+                </a:solidFill>
+              </a14:hiddenFill>
+            </a:ext>
+          </a:extLst>
+        </p:spPr>
+      </p:pic>
+      <p:sp>
+        <p:nvSpPr>
+          <p:cNvPr id="5" name="Rectangle 3">
+            <a:extLst>
+              <a:ext uri="{FF2B5EF4-FFF2-40B4-BE49-F238E27FC236}">
+                <a16:creationId xmlns:a16="http://schemas.microsoft.com/office/drawing/2014/main" id="{CE321733-34E2-F0DA-A2AC-AC29442F59C0}"/>
+              </a:ext>
+            </a:extLst>
+          </p:cNvPr>
+          <p:cNvSpPr>
+            <a:spLocks noGrp="1" noChangeArrowheads="1"/>
           </p:cNvSpPr>
           <p:nvPr>
             <p:ph type="title"/>
           </p:nvPr>
         </p:nvSpPr>
-        <p:spPr>
+        <p:spPr bwMode="auto">
           <a:xfrm>
-            <a:off x="1176865" y="915337"/>
-            <a:ext cx="6798735" cy="1498079"/>
+            <a:off x="1176337" y="4215380"/>
+            <a:ext cx="6949339" cy="2031325"/>
           </a:xfrm>
+          <a:prstGeom prst="rect">
+            <a:avLst/>
+          </a:prstGeom>
+          <a:noFill/>
+          <a:ln>
+            <a:noFill/>
+          </a:ln>
+          <a:effectLst/>
+          <a:extLst>
+            <a:ext uri="{909E8E84-426E-40DD-AFC4-6F175D3DCCD1}">
+              <a14:hiddenFill xmlns:a14="http://schemas.microsoft.com/office/drawing/2010/main">
+                <a:solidFill>
+                  <a:schemeClr val="accent1"/>
+                </a:solidFill>
+              </a14:hiddenFill>
+            </a:ext>
+            <a:ext uri="{91240B29-F687-4F45-9708-019B960494DF}">
+              <a14:hiddenLine xmlns:a14="http://schemas.microsoft.com/office/drawing/2010/main" w="9525">
+                <a:solidFill>
+                  <a:schemeClr val="tx1"/>
+                </a:solidFill>
+                <a:miter lim="800000"/>
+                <a:headEnd/>
+                <a:tailEnd/>
+              </a14:hiddenLine>
+            </a:ext>
+            <a:ext uri="{AF507438-7753-43E0-B8FC-AC1667EBCBE1}">
+              <a14:hiddenEffects xmlns:a14="http://schemas.microsoft.com/office/drawing/2010/main">
+                <a:effectLst>
+                  <a:outerShdw dist="35921" dir="2700000" algn="ctr" rotWithShape="0">
+                    <a:schemeClr val="bg2"/>
+                  </a:outerShdw>
+                </a:effectLst>
+              </a14:hiddenEffects>
+            </a:ext>
+          </a:extLst>
         </p:spPr>
         <p:txBody>
-          <a:bodyPr>
-            <a:normAutofit/>
+          <a:bodyPr vert="horz" wrap="square" lIns="91440" tIns="45720" rIns="91440" bIns="45720" numCol="1" anchor="ctr" anchorCtr="0" compatLnSpc="1">
+            <a:prstTxWarp prst="textNoShape">
+              <a:avLst/>
+            </a:prstTxWarp>
+            <a:spAutoFit/>
           </a:bodyPr>
           <a:lstStyle/>
           <a:p>
-            <a:r>
-              <a:rPr lang="en-US" sz="6000" dirty="0"/>
-              <a:t>Thank you</a:t>
-            </a:r>
+            <a:pPr marL="0" marR="0" lvl="0" indent="0" algn="l" defTabSz="914400" rtl="0" eaLnBrk="0" fontAlgn="base" latinLnBrk="0" hangingPunct="0">
+              <a:lnSpc>
+                <a:spcPct val="100000"/>
+              </a:lnSpc>
+              <a:spcBef>
+                <a:spcPct val="0"/>
+              </a:spcBef>
+              <a:spcAft>
+                <a:spcPct val="0"/>
+              </a:spcAft>
+              <a:buClrTx/>
+              <a:buSzTx/>
+              <a:buFontTx/>
+              <a:buNone/>
+              <a:tabLst/>
+            </a:pPr>
+            <a:r>
+              <a:rPr kumimoji="0" lang="en-US" altLang="en-US" sz="1800" b="0" i="0" u="none" strike="noStrike" cap="none" normalizeH="0" baseline="0" dirty="0">
+                <a:ln>
+                  <a:noFill/>
+                </a:ln>
+                <a:solidFill>
+                  <a:schemeClr val="tx1"/>
+                </a:solidFill>
+                <a:effectLst/>
+                <a:latin typeface="Arial" panose="020B0604020202020204" pitchFamily="34" charset="0"/>
+              </a:rPr>
+              <a:t>This line graph shows the </a:t>
+            </a:r>
+            <a:r>
+              <a:rPr kumimoji="0" lang="en-US" altLang="en-US" sz="1800" b="1" i="0" u="none" strike="noStrike" cap="none" normalizeH="0" baseline="0" dirty="0">
+                <a:ln>
+                  <a:noFill/>
+                </a:ln>
+                <a:solidFill>
+                  <a:schemeClr val="tx1"/>
+                </a:solidFill>
+                <a:effectLst/>
+                <a:latin typeface="Arial" panose="020B0604020202020204" pitchFamily="34" charset="0"/>
+              </a:rPr>
+              <a:t>average ratings</a:t>
+            </a:r>
+            <a:r>
+              <a:rPr kumimoji="0" lang="en-US" altLang="en-US" sz="1800" b="0" i="0" u="none" strike="noStrike" cap="none" normalizeH="0" baseline="0" dirty="0">
+                <a:ln>
+                  <a:noFill/>
+                </a:ln>
+                <a:solidFill>
+                  <a:schemeClr val="tx1"/>
+                </a:solidFill>
+                <a:effectLst/>
+                <a:latin typeface="Arial" panose="020B0604020202020204" pitchFamily="34" charset="0"/>
+              </a:rPr>
+              <a:t> of various companies.</a:t>
+            </a:r>
+          </a:p>
+          <a:p>
+            <a:pPr marL="0" marR="0" lvl="0" indent="0" algn="l" defTabSz="914400" rtl="0" eaLnBrk="0" fontAlgn="base" latinLnBrk="0" hangingPunct="0">
+              <a:lnSpc>
+                <a:spcPct val="100000"/>
+              </a:lnSpc>
+              <a:spcBef>
+                <a:spcPct val="0"/>
+              </a:spcBef>
+              <a:spcAft>
+                <a:spcPct val="0"/>
+              </a:spcAft>
+              <a:buClrTx/>
+              <a:buSzTx/>
+              <a:buFontTx/>
+              <a:buChar char="•"/>
+              <a:tabLst/>
+            </a:pPr>
+            <a:r>
+              <a:rPr kumimoji="0" lang="en-US" altLang="en-US" sz="1800" b="1" i="0" u="none" strike="noStrike" cap="none" normalizeH="0" baseline="0" dirty="0">
+                <a:ln>
+                  <a:noFill/>
+                </a:ln>
+                <a:solidFill>
+                  <a:schemeClr val="tx1"/>
+                </a:solidFill>
+                <a:effectLst/>
+                <a:latin typeface="Arial" panose="020B0604020202020204" pitchFamily="34" charset="0"/>
+              </a:rPr>
+              <a:t>Highest Ratings:</a:t>
+            </a:r>
+            <a:r>
+              <a:rPr kumimoji="0" lang="en-US" altLang="en-US" sz="1800" b="0" i="0" u="none" strike="noStrike" cap="none" normalizeH="0" baseline="0" dirty="0">
+                <a:ln>
+                  <a:noFill/>
+                </a:ln>
+                <a:solidFill>
+                  <a:schemeClr val="tx1"/>
+                </a:solidFill>
+                <a:effectLst/>
+                <a:latin typeface="Arial" panose="020B0604020202020204" pitchFamily="34" charset="0"/>
+              </a:rPr>
+              <a:t> ICICI Bank and L&amp;T</a:t>
+            </a:r>
+          </a:p>
+          <a:p>
+            <a:pPr marL="0" marR="0" lvl="0" indent="0" algn="l" defTabSz="914400" rtl="0" eaLnBrk="0" fontAlgn="base" latinLnBrk="0" hangingPunct="0">
+              <a:lnSpc>
+                <a:spcPct val="100000"/>
+              </a:lnSpc>
+              <a:spcBef>
+                <a:spcPct val="0"/>
+              </a:spcBef>
+              <a:spcAft>
+                <a:spcPct val="0"/>
+              </a:spcAft>
+              <a:buClrTx/>
+              <a:buSzTx/>
+              <a:buFontTx/>
+              <a:buChar char="•"/>
+              <a:tabLst/>
+            </a:pPr>
+            <a:r>
+              <a:rPr kumimoji="0" lang="en-US" altLang="en-US" sz="1800" b="1" i="0" u="none" strike="noStrike" cap="none" normalizeH="0" baseline="0" dirty="0">
+                <a:ln>
+                  <a:noFill/>
+                </a:ln>
+                <a:solidFill>
+                  <a:schemeClr val="tx1"/>
+                </a:solidFill>
+                <a:effectLst/>
+                <a:latin typeface="Arial" panose="020B0604020202020204" pitchFamily="34" charset="0"/>
+              </a:rPr>
+              <a:t>Good Ratings (~4.0):</a:t>
+            </a:r>
+            <a:r>
+              <a:rPr kumimoji="0" lang="en-US" altLang="en-US" sz="1800" b="0" i="0" u="none" strike="noStrike" cap="none" normalizeH="0" baseline="0" dirty="0">
+                <a:ln>
+                  <a:noFill/>
+                </a:ln>
+                <a:solidFill>
+                  <a:schemeClr val="tx1"/>
+                </a:solidFill>
+                <a:effectLst/>
+                <a:latin typeface="Arial" panose="020B0604020202020204" pitchFamily="34" charset="0"/>
+              </a:rPr>
+              <a:t> Accenture, HDFC Bank</a:t>
+            </a:r>
+          </a:p>
+          <a:p>
+            <a:pPr marL="0" marR="0" lvl="0" indent="0" algn="l" defTabSz="914400" rtl="0" eaLnBrk="0" fontAlgn="base" latinLnBrk="0" hangingPunct="0">
+              <a:lnSpc>
+                <a:spcPct val="100000"/>
+              </a:lnSpc>
+              <a:spcBef>
+                <a:spcPct val="0"/>
+              </a:spcBef>
+              <a:spcAft>
+                <a:spcPct val="0"/>
+              </a:spcAft>
+              <a:buClrTx/>
+              <a:buSzTx/>
+              <a:buFontTx/>
+              <a:buChar char="•"/>
+              <a:tabLst/>
+            </a:pPr>
+            <a:r>
+              <a:rPr kumimoji="0" lang="en-US" altLang="en-US" sz="1800" b="1" i="0" u="none" strike="noStrike" cap="none" normalizeH="0" baseline="0" dirty="0">
+                <a:ln>
+                  <a:noFill/>
+                </a:ln>
+                <a:solidFill>
+                  <a:schemeClr val="tx1"/>
+                </a:solidFill>
+                <a:effectLst/>
+                <a:latin typeface="Arial" panose="020B0604020202020204" pitchFamily="34" charset="0"/>
+              </a:rPr>
+              <a:t>Average Ratings (~3.9):</a:t>
+            </a:r>
+            <a:r>
+              <a:rPr kumimoji="0" lang="en-US" altLang="en-US" sz="1800" b="0" i="0" u="none" strike="noStrike" cap="none" normalizeH="0" baseline="0" dirty="0">
+                <a:ln>
+                  <a:noFill/>
+                </a:ln>
+                <a:solidFill>
+                  <a:schemeClr val="tx1"/>
+                </a:solidFill>
+                <a:effectLst/>
+                <a:latin typeface="Arial" panose="020B0604020202020204" pitchFamily="34" charset="0"/>
+              </a:rPr>
+              <a:t> TCS, Cognizant, Infosys</a:t>
+            </a:r>
+          </a:p>
+          <a:p>
+            <a:pPr marL="0" marR="0" lvl="0" indent="0" algn="l" defTabSz="914400" rtl="0" eaLnBrk="0" fontAlgn="base" latinLnBrk="0" hangingPunct="0">
+              <a:lnSpc>
+                <a:spcPct val="100000"/>
+              </a:lnSpc>
+              <a:spcBef>
+                <a:spcPct val="0"/>
+              </a:spcBef>
+              <a:spcAft>
+                <a:spcPct val="0"/>
+              </a:spcAft>
+              <a:buClrTx/>
+              <a:buSzTx/>
+              <a:buFontTx/>
+              <a:buChar char="•"/>
+              <a:tabLst/>
+            </a:pPr>
+            <a:r>
+              <a:rPr kumimoji="0" lang="en-US" altLang="en-US" sz="1800" b="1" i="0" u="none" strike="noStrike" cap="none" normalizeH="0" baseline="0" dirty="0">
+                <a:ln>
+                  <a:noFill/>
+                </a:ln>
+                <a:solidFill>
+                  <a:schemeClr val="tx1"/>
+                </a:solidFill>
+                <a:effectLst/>
+                <a:latin typeface="Arial" panose="020B0604020202020204" pitchFamily="34" charset="0"/>
+              </a:rPr>
+              <a:t>Lowest Rating (~3.7):</a:t>
+            </a:r>
+            <a:r>
+              <a:rPr kumimoji="0" lang="en-US" altLang="en-US" sz="1800" b="0" i="0" u="none" strike="noStrike" cap="none" normalizeH="0" baseline="0" dirty="0">
+                <a:ln>
+                  <a:noFill/>
+                </a:ln>
+                <a:solidFill>
+                  <a:schemeClr val="tx1"/>
+                </a:solidFill>
+                <a:effectLst/>
+                <a:latin typeface="Arial" panose="020B0604020202020204" pitchFamily="34" charset="0"/>
+              </a:rPr>
+              <a:t> Technologies (last entry)</a:t>
+            </a:r>
+            <a:br>
+              <a:rPr kumimoji="0" lang="en-US" altLang="en-US" sz="1800" b="0" i="0" u="none" strike="noStrike" cap="none" normalizeH="0" baseline="0" dirty="0">
+                <a:ln>
+                  <a:noFill/>
+                </a:ln>
+                <a:solidFill>
+                  <a:schemeClr val="tx1"/>
+                </a:solidFill>
+                <a:effectLst/>
+                <a:latin typeface="Arial" panose="020B0604020202020204" pitchFamily="34" charset="0"/>
+              </a:rPr>
+            </a:br>
+            <a:r>
+              <a:rPr kumimoji="0" lang="en-US" altLang="en-US" sz="1800" b="0" i="0" u="none" strike="noStrike" cap="none" normalizeH="0" baseline="0" dirty="0">
+                <a:ln>
+                  <a:noFill/>
+                </a:ln>
+                <a:solidFill>
+                  <a:schemeClr val="tx1"/>
+                </a:solidFill>
+                <a:effectLst/>
+                <a:latin typeface="Arial" panose="020B0604020202020204" pitchFamily="34" charset="0"/>
+              </a:rPr>
+              <a:t>  It helps compare company reputations based on average ratings.</a:t>
+            </a:r>
+          </a:p>
+          <a:p>
+            <a:pPr marL="0" marR="0" lvl="0" indent="0" algn="l" defTabSz="914400" rtl="0" eaLnBrk="0" fontAlgn="base" latinLnBrk="0" hangingPunct="0">
+              <a:lnSpc>
+                <a:spcPct val="100000"/>
+              </a:lnSpc>
+              <a:spcBef>
+                <a:spcPct val="0"/>
+              </a:spcBef>
+              <a:spcAft>
+                <a:spcPct val="0"/>
+              </a:spcAft>
+              <a:buClrTx/>
+              <a:buSzTx/>
+              <a:buFontTx/>
+              <a:buNone/>
+              <a:tabLst/>
+            </a:pPr>
+            <a:endParaRPr kumimoji="0" lang="en-US" altLang="en-US" sz="1800" b="0" i="0" u="none" strike="noStrike" cap="none" normalizeH="0" baseline="0" dirty="0">
+              <a:ln>
+                <a:noFill/>
+              </a:ln>
+              <a:solidFill>
+                <a:schemeClr val="tx1"/>
+              </a:solidFill>
+              <a:effectLst/>
+              <a:latin typeface="Arial" panose="020B0604020202020204" pitchFamily="34" charset="0"/>
+            </a:endParaRPr>
           </a:p>
         </p:txBody>
       </p:sp>
     </p:spTree>
     <p:extLst>
       <p:ext uri="{BB962C8B-B14F-4D97-AF65-F5344CB8AC3E}">
-        <p14:creationId xmlns:p14="http://schemas.microsoft.com/office/powerpoint/2010/main" val="355901602"/>
+        <p14:creationId xmlns:p14="http://schemas.microsoft.com/office/powerpoint/2010/main" val="1650020756"/>
       </p:ext>
     </p:extLst>
   </p:cSld>
